--- a/CGAppt.pptx
+++ b/CGAppt.pptx
@@ -312,7 +312,7 @@
             <a:fld id="{B61BEF0D-F0BB-DE4B-95CE-6DB70DBA9567}" type="datetimeFigureOut">
               <a:rPr lang="en-US" dirty="0"/>
               <a:pPr/>
-              <a:t>6/7/2017</a:t>
+              <a:t>6/8/2017</a:t>
             </a:fld>
             <a:endParaRPr lang="en-US" dirty="0"/>
           </a:p>
@@ -647,7 +647,7 @@
             <a:fld id="{B61BEF0D-F0BB-DE4B-95CE-6DB70DBA9567}" type="datetimeFigureOut">
               <a:rPr lang="en-US" dirty="0"/>
               <a:pPr/>
-              <a:t>6/7/2017</a:t>
+              <a:t>6/8/2017</a:t>
             </a:fld>
             <a:endParaRPr lang="en-US" dirty="0"/>
           </a:p>
@@ -1045,7 +1045,7 @@
             <a:fld id="{B61BEF0D-F0BB-DE4B-95CE-6DB70DBA9567}" type="datetimeFigureOut">
               <a:rPr lang="en-US" dirty="0"/>
               <a:pPr/>
-              <a:t>6/7/2017</a:t>
+              <a:t>6/8/2017</a:t>
             </a:fld>
             <a:endParaRPr lang="en-US" dirty="0"/>
           </a:p>
@@ -1378,7 +1378,7 @@
             <a:fld id="{B61BEF0D-F0BB-DE4B-95CE-6DB70DBA9567}" type="datetimeFigureOut">
               <a:rPr lang="en-US" dirty="0"/>
               <a:pPr/>
-              <a:t>6/7/2017</a:t>
+              <a:t>6/8/2017</a:t>
             </a:fld>
             <a:endParaRPr lang="en-US" dirty="0"/>
           </a:p>
@@ -1695,7 +1695,7 @@
             <a:fld id="{B61BEF0D-F0BB-DE4B-95CE-6DB70DBA9567}" type="datetimeFigureOut">
               <a:rPr lang="en-US" dirty="0"/>
               <a:pPr/>
-              <a:t>6/7/2017</a:t>
+              <a:t>6/8/2017</a:t>
             </a:fld>
             <a:endParaRPr lang="en-US" dirty="0"/>
           </a:p>
@@ -2088,7 +2088,7 @@
             <a:fld id="{B61BEF0D-F0BB-DE4B-95CE-6DB70DBA9567}" type="datetimeFigureOut">
               <a:rPr lang="en-US" dirty="0"/>
               <a:pPr/>
-              <a:t>6/7/2017</a:t>
+              <a:t>6/8/2017</a:t>
             </a:fld>
             <a:endParaRPr lang="en-US" dirty="0"/>
           </a:p>
@@ -2342,7 +2342,7 @@
             <a:fld id="{B61BEF0D-F0BB-DE4B-95CE-6DB70DBA9567}" type="datetimeFigureOut">
               <a:rPr lang="en-US" dirty="0"/>
               <a:pPr/>
-              <a:t>6/7/2017</a:t>
+              <a:t>6/8/2017</a:t>
             </a:fld>
             <a:endParaRPr lang="en-US" dirty="0"/>
           </a:p>
@@ -2601,7 +2601,7 @@
             <a:fld id="{B61BEF0D-F0BB-DE4B-95CE-6DB70DBA9567}" type="datetimeFigureOut">
               <a:rPr lang="en-US" dirty="0"/>
               <a:pPr/>
-              <a:t>6/7/2017</a:t>
+              <a:t>6/8/2017</a:t>
             </a:fld>
             <a:endParaRPr lang="en-US" dirty="0"/>
           </a:p>
@@ -2860,7 +2860,7 @@
             <a:fld id="{B61BEF0D-F0BB-DE4B-95CE-6DB70DBA9567}" type="datetimeFigureOut">
               <a:rPr lang="en-US" dirty="0"/>
               <a:pPr/>
-              <a:t>6/7/2017</a:t>
+              <a:t>6/8/2017</a:t>
             </a:fld>
             <a:endParaRPr lang="en-US" dirty="0"/>
           </a:p>
@@ -3186,7 +3186,7 @@
             <a:fld id="{B61BEF0D-F0BB-DE4B-95CE-6DB70DBA9567}" type="datetimeFigureOut">
               <a:rPr lang="en-US" dirty="0"/>
               <a:pPr/>
-              <a:t>6/7/2017</a:t>
+              <a:t>6/8/2017</a:t>
             </a:fld>
             <a:endParaRPr lang="en-US" dirty="0"/>
           </a:p>
@@ -3506,7 +3506,7 @@
             <a:fld id="{B61BEF0D-F0BB-DE4B-95CE-6DB70DBA9567}" type="datetimeFigureOut">
               <a:rPr lang="en-US" dirty="0"/>
               <a:pPr/>
-              <a:t>6/7/2017</a:t>
+              <a:t>6/8/2017</a:t>
             </a:fld>
             <a:endParaRPr lang="en-US" dirty="0"/>
           </a:p>
@@ -3960,7 +3960,7 @@
             <a:fld id="{B61BEF0D-F0BB-DE4B-95CE-6DB70DBA9567}" type="datetimeFigureOut">
               <a:rPr lang="en-US" dirty="0"/>
               <a:pPr/>
-              <a:t>6/7/2017</a:t>
+              <a:t>6/8/2017</a:t>
             </a:fld>
             <a:endParaRPr lang="en-US" dirty="0"/>
           </a:p>
@@ -4162,7 +4162,7 @@
             <a:fld id="{B61BEF0D-F0BB-DE4B-95CE-6DB70DBA9567}" type="datetimeFigureOut">
               <a:rPr lang="en-US" dirty="0"/>
               <a:pPr/>
-              <a:t>6/7/2017</a:t>
+              <a:t>6/8/2017</a:t>
             </a:fld>
             <a:endParaRPr lang="en-US" dirty="0"/>
           </a:p>
@@ -4336,7 +4336,7 @@
             <a:fld id="{B61BEF0D-F0BB-DE4B-95CE-6DB70DBA9567}" type="datetimeFigureOut">
               <a:rPr lang="en-US" dirty="0"/>
               <a:pPr/>
-              <a:t>6/7/2017</a:t>
+              <a:t>6/8/2017</a:t>
             </a:fld>
             <a:endParaRPr lang="en-US" dirty="0"/>
           </a:p>
@@ -4666,7 +4666,7 @@
             <a:fld id="{B61BEF0D-F0BB-DE4B-95CE-6DB70DBA9567}" type="datetimeFigureOut">
               <a:rPr lang="en-US" dirty="0"/>
               <a:pPr/>
-              <a:t>6/7/2017</a:t>
+              <a:t>6/8/2017</a:t>
             </a:fld>
             <a:endParaRPr lang="en-US" dirty="0"/>
           </a:p>
@@ -5008,7 +5008,7 @@
             <a:fld id="{B61BEF0D-F0BB-DE4B-95CE-6DB70DBA9567}" type="datetimeFigureOut">
               <a:rPr lang="en-US" dirty="0"/>
               <a:pPr/>
-              <a:t>6/7/2017</a:t>
+              <a:t>6/8/2017</a:t>
             </a:fld>
             <a:endParaRPr lang="en-US" dirty="0"/>
           </a:p>
@@ -7122,7 +7122,7 @@
             <a:fld id="{B61BEF0D-F0BB-DE4B-95CE-6DB70DBA9567}" type="datetimeFigureOut">
               <a:rPr lang="en-US" dirty="0"/>
               <a:pPr/>
-              <a:t>6/7/2017</a:t>
+              <a:t>6/8/2017</a:t>
             </a:fld>
             <a:endParaRPr lang="en-US" dirty="0"/>
           </a:p>

--- a/CGAppt.pptx
+++ b/CGAppt.pptx
@@ -6,13 +6,14 @@
   </p:sldMasterIdLst>
   <p:sldIdLst>
     <p:sldId id="256" r:id="rId2"/>
-    <p:sldId id="257" r:id="rId3"/>
-    <p:sldId id="258" r:id="rId4"/>
-    <p:sldId id="259" r:id="rId5"/>
-    <p:sldId id="260" r:id="rId6"/>
-    <p:sldId id="262" r:id="rId7"/>
-    <p:sldId id="261" r:id="rId8"/>
-    <p:sldId id="263" r:id="rId9"/>
+    <p:sldId id="264" r:id="rId3"/>
+    <p:sldId id="257" r:id="rId4"/>
+    <p:sldId id="258" r:id="rId5"/>
+    <p:sldId id="259" r:id="rId6"/>
+    <p:sldId id="260" r:id="rId7"/>
+    <p:sldId id="262" r:id="rId8"/>
+    <p:sldId id="261" r:id="rId9"/>
+    <p:sldId id="263" r:id="rId10"/>
   </p:sldIdLst>
   <p:sldSz cx="12192000" cy="6858000"/>
   <p:notesSz cx="6858000" cy="9144000"/>
@@ -7740,7 +7741,7 @@
           <p:cNvPr id="2" name="Title 1">
             <a:extLst>
               <a:ext uri="{FF2B5EF4-FFF2-40B4-BE49-F238E27FC236}">
-                <a16:creationId xmlns:a16="http://schemas.microsoft.com/office/drawing/2014/main" id="{5055EDDD-36CF-4E05-8121-04E5724C34C6}"/>
+                <a16:creationId xmlns:a16="http://schemas.microsoft.com/office/drawing/2014/main" id="{C58EB0AD-3F7A-404C-9242-0372331297E8}"/>
               </a:ext>
             </a:extLst>
           </p:cNvPr>
@@ -7751,7 +7752,12 @@
             <p:ph type="title"/>
           </p:nvPr>
         </p:nvSpPr>
-        <p:spPr/>
+        <p:spPr>
+          <a:xfrm>
+            <a:off x="2589212" y="226544"/>
+            <a:ext cx="8911687" cy="1280890"/>
+          </a:xfrm>
+        </p:spPr>
         <p:txBody>
           <a:bodyPr/>
           <a:lstStyle/>
@@ -7759,49 +7765,71 @@
             <a:pPr algn="ctr"/>
             <a:r>
               <a:rPr lang="en-IN" dirty="0"/>
-              <a:t>Objective</a:t>
-            </a:r>
-          </a:p>
-        </p:txBody>
-      </p:sp>
-      <p:sp>
-        <p:nvSpPr>
-          <p:cNvPr id="3" name="Content Placeholder 2">
+              <a:t>Certificate</a:t>
+            </a:r>
+          </a:p>
+        </p:txBody>
+      </p:sp>
+      <p:pic>
+        <p:nvPicPr>
+          <p:cNvPr id="6" name="Content Placeholder 5">
             <a:extLst>
               <a:ext uri="{FF2B5EF4-FFF2-40B4-BE49-F238E27FC236}">
-                <a16:creationId xmlns:a16="http://schemas.microsoft.com/office/drawing/2014/main" id="{8FD3A556-B6B0-45F8-B3E8-F8732CC298A2}"/>
+                <a16:creationId xmlns:a16="http://schemas.microsoft.com/office/drawing/2014/main" id="{12DE8E76-CA9D-4CB6-87DA-5EC76D803CD5}"/>
               </a:ext>
             </a:extLst>
           </p:cNvPr>
-          <p:cNvSpPr>
-            <a:spLocks noGrp="1"/>
-          </p:cNvSpPr>
+          <p:cNvPicPr>
+            <a:picLocks noGrp="1" noChangeAspect="1"/>
+          </p:cNvPicPr>
           <p:nvPr>
             <p:ph idx="1"/>
           </p:nvPr>
-        </p:nvSpPr>
-        <p:spPr/>
-        <p:txBody>
-          <a:bodyPr>
-            <a:normAutofit/>
+        </p:nvPicPr>
+        <p:blipFill>
+          <a:blip r:embed="rId2"/>
+          <a:stretch>
+            <a:fillRect/>
+          </a:stretch>
+        </p:blipFill>
+        <p:spPr>
+          <a:xfrm>
+            <a:off x="3253149" y="2194560"/>
+            <a:ext cx="7564906" cy="3886102"/>
+          </a:xfrm>
+        </p:spPr>
+      </p:pic>
+      <p:sp>
+        <p:nvSpPr>
+          <p:cNvPr id="4" name="TextBox 3">
+            <a:extLst>
+              <a:ext uri="{FF2B5EF4-FFF2-40B4-BE49-F238E27FC236}">
+                <a16:creationId xmlns:a16="http://schemas.microsoft.com/office/drawing/2014/main" id="{783EDCA3-D8DA-4AD7-AF84-62E1CE362C4A}"/>
+              </a:ext>
+            </a:extLst>
+          </p:cNvPr>
+          <p:cNvSpPr txBox="1"/>
+          <p:nvPr/>
+        </p:nvSpPr>
+        <p:spPr>
+          <a:xfrm>
+            <a:off x="2014330" y="1139687"/>
+            <a:ext cx="9965635" cy="646331"/>
+          </a:xfrm>
+          <a:prstGeom prst="rect">
+            <a:avLst/>
+          </a:prstGeom>
+          <a:noFill/>
+        </p:spPr>
+        <p:txBody>
+          <a:bodyPr wrap="square" rtlCol="0">
+            <a:spAutoFit/>
           </a:bodyPr>
           <a:lstStyle/>
           <a:p>
             <a:r>
-              <a:rPr lang="en-IN" sz="2000" dirty="0"/>
-              <a:t>To provide an easy interface for the applicants to fill in the required details .</a:t>
-            </a:r>
-          </a:p>
-          <a:p>
-            <a:r>
-              <a:rPr lang="en-IN" sz="2000" dirty="0"/>
-              <a:t>To provide a simple interface for the concerned personnel to evaluate the details submitted by the applicants.</a:t>
-            </a:r>
-          </a:p>
-          <a:p>
-            <a:r>
-              <a:rPr lang="en-IN" sz="2000" dirty="0"/>
-              <a:t>To generate the required certificate depending  on the legitimate details and the reason for application specified by the applicants.</a:t>
+              <a:rPr lang="en-IN" dirty="0"/>
+              <a:t>After processing the details of the applicant, the requested certificate is issued which can be printed by the applicant.</a:t>
             </a:r>
           </a:p>
         </p:txBody>
@@ -7809,7 +7837,7 @@
     </p:spTree>
     <p:extLst>
       <p:ext uri="{BB962C8B-B14F-4D97-AF65-F5344CB8AC3E}">
-        <p14:creationId xmlns:p14="http://schemas.microsoft.com/office/powerpoint/2010/main" val="863327285"/>
+        <p14:creationId xmlns:p14="http://schemas.microsoft.com/office/powerpoint/2010/main" val="362003737"/>
       </p:ext>
     </p:extLst>
   </p:cSld>
@@ -7841,7 +7869,7 @@
           <p:cNvPr id="2" name="Title 1">
             <a:extLst>
               <a:ext uri="{FF2B5EF4-FFF2-40B4-BE49-F238E27FC236}">
-                <a16:creationId xmlns:a16="http://schemas.microsoft.com/office/drawing/2014/main" id="{DB94D7F5-3102-4955-BE27-4388C1C91165}"/>
+                <a16:creationId xmlns:a16="http://schemas.microsoft.com/office/drawing/2014/main" id="{5055EDDD-36CF-4E05-8121-04E5724C34C6}"/>
               </a:ext>
             </a:extLst>
           </p:cNvPr>
@@ -7852,12 +7880,7 @@
             <p:ph type="title"/>
           </p:nvPr>
         </p:nvSpPr>
-        <p:spPr>
-          <a:xfrm>
-            <a:off x="2380890" y="463826"/>
-            <a:ext cx="8911687" cy="901148"/>
-          </a:xfrm>
-        </p:spPr>
+        <p:spPr/>
         <p:txBody>
           <a:bodyPr/>
           <a:lstStyle/>
@@ -7865,71 +7888,49 @@
             <a:pPr algn="ctr"/>
             <a:r>
               <a:rPr lang="en-IN" dirty="0"/>
-              <a:t>Form</a:t>
-            </a:r>
-          </a:p>
-        </p:txBody>
-      </p:sp>
-      <p:pic>
-        <p:nvPicPr>
-          <p:cNvPr id="7" name="Content Placeholder 6">
+              <a:t>Objective</a:t>
+            </a:r>
+          </a:p>
+        </p:txBody>
+      </p:sp>
+      <p:sp>
+        <p:nvSpPr>
+          <p:cNvPr id="3" name="Content Placeholder 2">
             <a:extLst>
               <a:ext uri="{FF2B5EF4-FFF2-40B4-BE49-F238E27FC236}">
-                <a16:creationId xmlns:a16="http://schemas.microsoft.com/office/drawing/2014/main" id="{121264BF-BEFA-40DB-90DB-9455D89EACCB}"/>
+                <a16:creationId xmlns:a16="http://schemas.microsoft.com/office/drawing/2014/main" id="{8FD3A556-B6B0-45F8-B3E8-F8732CC298A2}"/>
               </a:ext>
             </a:extLst>
           </p:cNvPr>
-          <p:cNvPicPr>
-            <a:picLocks noGrp="1" noChangeAspect="1"/>
-          </p:cNvPicPr>
+          <p:cNvSpPr>
+            <a:spLocks noGrp="1"/>
+          </p:cNvSpPr>
           <p:nvPr>
             <p:ph idx="1"/>
           </p:nvPr>
-        </p:nvPicPr>
-        <p:blipFill>
-          <a:blip r:embed="rId2"/>
-          <a:stretch>
-            <a:fillRect/>
-          </a:stretch>
-        </p:blipFill>
-        <p:spPr>
-          <a:xfrm>
-            <a:off x="3536088" y="2074985"/>
-            <a:ext cx="7385538" cy="4783015"/>
-          </a:xfrm>
-        </p:spPr>
-      </p:pic>
-      <p:sp>
-        <p:nvSpPr>
-          <p:cNvPr id="9" name="TextBox 8">
-            <a:extLst>
-              <a:ext uri="{FF2B5EF4-FFF2-40B4-BE49-F238E27FC236}">
-                <a16:creationId xmlns:a16="http://schemas.microsoft.com/office/drawing/2014/main" id="{2642A89B-168A-412D-B29B-0F4CDA55561E}"/>
-              </a:ext>
-            </a:extLst>
-          </p:cNvPr>
-          <p:cNvSpPr txBox="1"/>
-          <p:nvPr/>
-        </p:nvSpPr>
-        <p:spPr>
-          <a:xfrm>
-            <a:off x="2380890" y="1232452"/>
-            <a:ext cx="9599075" cy="646331"/>
-          </a:xfrm>
-          <a:prstGeom prst="rect">
-            <a:avLst/>
-          </a:prstGeom>
-          <a:noFill/>
-        </p:spPr>
-        <p:txBody>
-          <a:bodyPr wrap="square" rtlCol="0">
-            <a:spAutoFit/>
+        </p:nvSpPr>
+        <p:spPr/>
+        <p:txBody>
+          <a:bodyPr>
+            <a:normAutofit/>
           </a:bodyPr>
           <a:lstStyle/>
           <a:p>
             <a:r>
-              <a:rPr lang="en-IN" dirty="0"/>
-              <a:t>Applicants have to fill in the required details specified in the form and click submit button for further processing.</a:t>
+              <a:rPr lang="en-IN" sz="2000" dirty="0"/>
+              <a:t>To provide an easy interface for the applicants to fill in the required details .</a:t>
+            </a:r>
+          </a:p>
+          <a:p>
+            <a:r>
+              <a:rPr lang="en-IN" sz="2000" dirty="0"/>
+              <a:t>To provide a simple interface for the concerned personnel to evaluate the details submitted by the applicants.</a:t>
+            </a:r>
+          </a:p>
+          <a:p>
+            <a:r>
+              <a:rPr lang="en-IN" sz="2000" dirty="0"/>
+              <a:t>To generate the required certificate depending  on the legitimate details and the reason for application specified by the applicants.</a:t>
             </a:r>
           </a:p>
         </p:txBody>
@@ -7937,7 +7938,7 @@
     </p:spTree>
     <p:extLst>
       <p:ext uri="{BB962C8B-B14F-4D97-AF65-F5344CB8AC3E}">
-        <p14:creationId xmlns:p14="http://schemas.microsoft.com/office/powerpoint/2010/main" val="1517550276"/>
+        <p14:creationId xmlns:p14="http://schemas.microsoft.com/office/powerpoint/2010/main" val="863327285"/>
       </p:ext>
     </p:extLst>
   </p:cSld>
@@ -7969,7 +7970,7 @@
           <p:cNvPr id="2" name="Title 1">
             <a:extLst>
               <a:ext uri="{FF2B5EF4-FFF2-40B4-BE49-F238E27FC236}">
-                <a16:creationId xmlns:a16="http://schemas.microsoft.com/office/drawing/2014/main" id="{8C53EB4B-BAE1-472C-8CF5-DF3AEB12608D}"/>
+                <a16:creationId xmlns:a16="http://schemas.microsoft.com/office/drawing/2014/main" id="{DB94D7F5-3102-4955-BE27-4388C1C91165}"/>
               </a:ext>
             </a:extLst>
           </p:cNvPr>
@@ -7982,8 +7983,8 @@
         </p:nvSpPr>
         <p:spPr>
           <a:xfrm>
-            <a:off x="2380891" y="253049"/>
-            <a:ext cx="8911687" cy="1280890"/>
+            <a:off x="2380890" y="463826"/>
+            <a:ext cx="8911687" cy="901148"/>
           </a:xfrm>
         </p:spPr>
         <p:txBody>
@@ -7993,17 +7994,17 @@
             <a:pPr algn="ctr"/>
             <a:r>
               <a:rPr lang="en-IN" dirty="0"/>
-              <a:t>Admin page</a:t>
+              <a:t>Form</a:t>
             </a:r>
           </a:p>
         </p:txBody>
       </p:sp>
       <p:pic>
         <p:nvPicPr>
-          <p:cNvPr id="6" name="Content Placeholder 5">
+          <p:cNvPr id="7" name="Content Placeholder 6">
             <a:extLst>
               <a:ext uri="{FF2B5EF4-FFF2-40B4-BE49-F238E27FC236}">
-                <a16:creationId xmlns:a16="http://schemas.microsoft.com/office/drawing/2014/main" id="{52633ADB-CCF1-4715-90AE-7FCC67B0E612}"/>
+                <a16:creationId xmlns:a16="http://schemas.microsoft.com/office/drawing/2014/main" id="{121264BF-BEFA-40DB-90DB-9455D89EACCB}"/>
               </a:ext>
             </a:extLst>
           </p:cNvPr>
@@ -8022,17 +8023,17 @@
         </p:blipFill>
         <p:spPr>
           <a:xfrm>
-            <a:off x="3488788" y="2053883"/>
-            <a:ext cx="7076049" cy="4037428"/>
+            <a:off x="3536088" y="2074985"/>
+            <a:ext cx="7385538" cy="4783015"/>
           </a:xfrm>
         </p:spPr>
       </p:pic>
       <p:sp>
         <p:nvSpPr>
-          <p:cNvPr id="4" name="TextBox 3">
+          <p:cNvPr id="9" name="TextBox 8">
             <a:extLst>
               <a:ext uri="{FF2B5EF4-FFF2-40B4-BE49-F238E27FC236}">
-                <a16:creationId xmlns:a16="http://schemas.microsoft.com/office/drawing/2014/main" id="{635FC30B-1284-4D09-8BB2-2BA93824A5F7}"/>
+                <a16:creationId xmlns:a16="http://schemas.microsoft.com/office/drawing/2014/main" id="{2642A89B-168A-412D-B29B-0F4CDA55561E}"/>
               </a:ext>
             </a:extLst>
           </p:cNvPr>
@@ -8041,8 +8042,8 @@
         </p:nvSpPr>
         <p:spPr>
           <a:xfrm>
-            <a:off x="2822713" y="1349273"/>
-            <a:ext cx="10031896" cy="369332"/>
+            <a:off x="2380890" y="1232452"/>
+            <a:ext cx="9599075" cy="646331"/>
           </a:xfrm>
           <a:prstGeom prst="rect">
             <a:avLst/>
@@ -8057,7 +8058,7 @@
           <a:p>
             <a:r>
               <a:rPr lang="en-IN" dirty="0"/>
-              <a:t>The details sent by the student will be received here for further processing.</a:t>
+              <a:t>Applicants have to fill in the required details specified in the form and click submit button for further processing.</a:t>
             </a:r>
           </a:p>
         </p:txBody>
@@ -8065,7 +8066,7 @@
     </p:spTree>
     <p:extLst>
       <p:ext uri="{BB962C8B-B14F-4D97-AF65-F5344CB8AC3E}">
-        <p14:creationId xmlns:p14="http://schemas.microsoft.com/office/powerpoint/2010/main" val="1790265739"/>
+        <p14:creationId xmlns:p14="http://schemas.microsoft.com/office/powerpoint/2010/main" val="1517550276"/>
       </p:ext>
     </p:extLst>
   </p:cSld>
@@ -8097,7 +8098,7 @@
           <p:cNvPr id="2" name="Title 1">
             <a:extLst>
               <a:ext uri="{FF2B5EF4-FFF2-40B4-BE49-F238E27FC236}">
-                <a16:creationId xmlns:a16="http://schemas.microsoft.com/office/drawing/2014/main" id="{364696E3-A3E2-4961-93B1-91E432D37489}"/>
+                <a16:creationId xmlns:a16="http://schemas.microsoft.com/office/drawing/2014/main" id="{8C53EB4B-BAE1-472C-8CF5-DF3AEB12608D}"/>
               </a:ext>
             </a:extLst>
           </p:cNvPr>
@@ -8110,7 +8111,7 @@
         </p:nvSpPr>
         <p:spPr>
           <a:xfrm>
-            <a:off x="2473655" y="253049"/>
+            <a:off x="2380891" y="253049"/>
             <a:ext cx="8911687" cy="1280890"/>
           </a:xfrm>
         </p:spPr>
@@ -8121,7 +8122,7 @@
             <a:pPr algn="ctr"/>
             <a:r>
               <a:rPr lang="en-IN" dirty="0"/>
-              <a:t>Request page</a:t>
+              <a:t>Admin page</a:t>
             </a:r>
           </a:p>
         </p:txBody>
@@ -8131,7 +8132,7 @@
           <p:cNvPr id="6" name="Content Placeholder 5">
             <a:extLst>
               <a:ext uri="{FF2B5EF4-FFF2-40B4-BE49-F238E27FC236}">
-                <a16:creationId xmlns:a16="http://schemas.microsoft.com/office/drawing/2014/main" id="{FEC0A780-2BF9-4A4D-9535-051CB8F8B839}"/>
+                <a16:creationId xmlns:a16="http://schemas.microsoft.com/office/drawing/2014/main" id="{52633ADB-CCF1-4715-90AE-7FCC67B0E612}"/>
               </a:ext>
             </a:extLst>
           </p:cNvPr>
@@ -8150,8 +8151,8 @@
         </p:blipFill>
         <p:spPr>
           <a:xfrm>
-            <a:off x="2771334" y="1885072"/>
-            <a:ext cx="7835705" cy="4403186"/>
+            <a:off x="3488788" y="2053883"/>
+            <a:ext cx="7076049" cy="4037428"/>
           </a:xfrm>
         </p:spPr>
       </p:pic>
@@ -8160,7 +8161,7 @@
           <p:cNvPr id="4" name="TextBox 3">
             <a:extLst>
               <a:ext uri="{FF2B5EF4-FFF2-40B4-BE49-F238E27FC236}">
-                <a16:creationId xmlns:a16="http://schemas.microsoft.com/office/drawing/2014/main" id="{6B8118DE-96BA-4600-8650-34C55E1FB011}"/>
+                <a16:creationId xmlns:a16="http://schemas.microsoft.com/office/drawing/2014/main" id="{635FC30B-1284-4D09-8BB2-2BA93824A5F7}"/>
               </a:ext>
             </a:extLst>
           </p:cNvPr>
@@ -8169,8 +8170,8 @@
         </p:nvSpPr>
         <p:spPr>
           <a:xfrm>
-            <a:off x="1946681" y="1187438"/>
-            <a:ext cx="9965634" cy="369332"/>
+            <a:off x="2822713" y="1349273"/>
+            <a:ext cx="10031896" cy="369332"/>
           </a:xfrm>
           <a:prstGeom prst="rect">
             <a:avLst/>
@@ -8185,7 +8186,7 @@
           <a:p>
             <a:r>
               <a:rPr lang="en-IN" dirty="0"/>
-              <a:t>This page contains the list as well as the details of the applicant as submitted in the form.</a:t>
+              <a:t>The details sent by the student will be received here for further processing.</a:t>
             </a:r>
           </a:p>
         </p:txBody>
@@ -8193,7 +8194,7 @@
     </p:spTree>
     <p:extLst>
       <p:ext uri="{BB962C8B-B14F-4D97-AF65-F5344CB8AC3E}">
-        <p14:creationId xmlns:p14="http://schemas.microsoft.com/office/powerpoint/2010/main" val="98424936"/>
+        <p14:creationId xmlns:p14="http://schemas.microsoft.com/office/powerpoint/2010/main" val="1790265739"/>
       </p:ext>
     </p:extLst>
   </p:cSld>
@@ -8225,7 +8226,7 @@
           <p:cNvPr id="2" name="Title 1">
             <a:extLst>
               <a:ext uri="{FF2B5EF4-FFF2-40B4-BE49-F238E27FC236}">
-                <a16:creationId xmlns:a16="http://schemas.microsoft.com/office/drawing/2014/main" id="{12B6E214-FAEA-48A3-BB44-ADB97EBA81CA}"/>
+                <a16:creationId xmlns:a16="http://schemas.microsoft.com/office/drawing/2014/main" id="{364696E3-A3E2-4961-93B1-91E432D37489}"/>
               </a:ext>
             </a:extLst>
           </p:cNvPr>
@@ -8238,8 +8239,8 @@
         </p:nvSpPr>
         <p:spPr>
           <a:xfrm>
-            <a:off x="2589212" y="266301"/>
-            <a:ext cx="8911687" cy="939647"/>
+            <a:off x="2473655" y="253049"/>
+            <a:ext cx="8911687" cy="1280890"/>
           </a:xfrm>
         </p:spPr>
         <p:txBody>
@@ -8249,52 +8250,17 @@
             <a:pPr algn="ctr"/>
             <a:r>
               <a:rPr lang="en-IN" dirty="0"/>
-              <a:t>Processed page</a:t>
-            </a:r>
-          </a:p>
-        </p:txBody>
-      </p:sp>
-      <p:sp>
-        <p:nvSpPr>
-          <p:cNvPr id="4" name="TextBox 3">
+              <a:t>Request page</a:t>
+            </a:r>
+          </a:p>
+        </p:txBody>
+      </p:sp>
+      <p:pic>
+        <p:nvPicPr>
+          <p:cNvPr id="6" name="Content Placeholder 5">
             <a:extLst>
               <a:ext uri="{FF2B5EF4-FFF2-40B4-BE49-F238E27FC236}">
-                <a16:creationId xmlns:a16="http://schemas.microsoft.com/office/drawing/2014/main" id="{220F485B-8DF7-4084-BB9A-98329879B704}"/>
-              </a:ext>
-            </a:extLst>
-          </p:cNvPr>
-          <p:cNvSpPr txBox="1"/>
-          <p:nvPr/>
-        </p:nvSpPr>
-        <p:spPr>
-          <a:xfrm>
-            <a:off x="2093843" y="1205948"/>
-            <a:ext cx="9872870" cy="646331"/>
-          </a:xfrm>
-          <a:prstGeom prst="rect">
-            <a:avLst/>
-          </a:prstGeom>
-          <a:noFill/>
-        </p:spPr>
-        <p:txBody>
-          <a:bodyPr wrap="square" rtlCol="0">
-            <a:spAutoFit/>
-          </a:bodyPr>
-          <a:lstStyle/>
-          <a:p>
-            <a:r>
-              <a:rPr lang="en-IN" dirty="0"/>
-              <a:t>This page contains the list of applications that are processed by the personnel and the specified are ready  to be issued.</a:t>
-            </a:r>
-          </a:p>
-        </p:txBody>
-      </p:sp>
-      <p:pic>
-        <p:nvPicPr>
-          <p:cNvPr id="9" name="Content Placeholder 8">
-            <a:extLst>
-              <a:ext uri="{FF2B5EF4-FFF2-40B4-BE49-F238E27FC236}">
-                <a16:creationId xmlns:a16="http://schemas.microsoft.com/office/drawing/2014/main" id="{950E8FA9-27A5-4511-A691-246F3389FF11}"/>
+                <a16:creationId xmlns:a16="http://schemas.microsoft.com/office/drawing/2014/main" id="{FEC0A780-2BF9-4A4D-9535-051CB8F8B839}"/>
               </a:ext>
             </a:extLst>
           </p:cNvPr>
@@ -8313,15 +8279,50 @@
         </p:blipFill>
         <p:spPr>
           <a:xfrm>
-            <a:off x="2589213" y="2133599"/>
-            <a:ext cx="8496129" cy="4210929"/>
+            <a:off x="2771334" y="1885072"/>
+            <a:ext cx="7835705" cy="4403186"/>
           </a:xfrm>
         </p:spPr>
       </p:pic>
+      <p:sp>
+        <p:nvSpPr>
+          <p:cNvPr id="4" name="TextBox 3">
+            <a:extLst>
+              <a:ext uri="{FF2B5EF4-FFF2-40B4-BE49-F238E27FC236}">
+                <a16:creationId xmlns:a16="http://schemas.microsoft.com/office/drawing/2014/main" id="{6B8118DE-96BA-4600-8650-34C55E1FB011}"/>
+              </a:ext>
+            </a:extLst>
+          </p:cNvPr>
+          <p:cNvSpPr txBox="1"/>
+          <p:nvPr/>
+        </p:nvSpPr>
+        <p:spPr>
+          <a:xfrm>
+            <a:off x="1946681" y="1187438"/>
+            <a:ext cx="9965634" cy="369332"/>
+          </a:xfrm>
+          <a:prstGeom prst="rect">
+            <a:avLst/>
+          </a:prstGeom>
+          <a:noFill/>
+        </p:spPr>
+        <p:txBody>
+          <a:bodyPr wrap="square" rtlCol="0">
+            <a:spAutoFit/>
+          </a:bodyPr>
+          <a:lstStyle/>
+          <a:p>
+            <a:r>
+              <a:rPr lang="en-IN" dirty="0"/>
+              <a:t>This page contains the list as well as the details of the applicant as submitted in the form.</a:t>
+            </a:r>
+          </a:p>
+        </p:txBody>
+      </p:sp>
     </p:spTree>
     <p:extLst>
       <p:ext uri="{BB962C8B-B14F-4D97-AF65-F5344CB8AC3E}">
-        <p14:creationId xmlns:p14="http://schemas.microsoft.com/office/powerpoint/2010/main" val="4194712856"/>
+        <p14:creationId xmlns:p14="http://schemas.microsoft.com/office/powerpoint/2010/main" val="98424936"/>
       </p:ext>
     </p:extLst>
   </p:cSld>
@@ -8353,7 +8354,7 @@
           <p:cNvPr id="2" name="Title 1">
             <a:extLst>
               <a:ext uri="{FF2B5EF4-FFF2-40B4-BE49-F238E27FC236}">
-                <a16:creationId xmlns:a16="http://schemas.microsoft.com/office/drawing/2014/main" id="{E572566D-14F8-4C2C-AB25-ABBBCC26BBE9}"/>
+                <a16:creationId xmlns:a16="http://schemas.microsoft.com/office/drawing/2014/main" id="{12B6E214-FAEA-48A3-BB44-ADB97EBA81CA}"/>
               </a:ext>
             </a:extLst>
           </p:cNvPr>
@@ -8366,8 +8367,8 @@
         </p:nvSpPr>
         <p:spPr>
           <a:xfrm>
-            <a:off x="2581060" y="211780"/>
-            <a:ext cx="8911687" cy="833629"/>
+            <a:off x="2589212" y="266301"/>
+            <a:ext cx="8911687" cy="939647"/>
           </a:xfrm>
         </p:spPr>
         <p:txBody>
@@ -8377,17 +8378,52 @@
             <a:pPr algn="ctr"/>
             <a:r>
               <a:rPr lang="en-IN" dirty="0"/>
-              <a:t>Ignore page</a:t>
+              <a:t>Processed page</a:t>
+            </a:r>
+          </a:p>
+        </p:txBody>
+      </p:sp>
+      <p:sp>
+        <p:nvSpPr>
+          <p:cNvPr id="4" name="TextBox 3">
+            <a:extLst>
+              <a:ext uri="{FF2B5EF4-FFF2-40B4-BE49-F238E27FC236}">
+                <a16:creationId xmlns:a16="http://schemas.microsoft.com/office/drawing/2014/main" id="{220F485B-8DF7-4084-BB9A-98329879B704}"/>
+              </a:ext>
+            </a:extLst>
+          </p:cNvPr>
+          <p:cNvSpPr txBox="1"/>
+          <p:nvPr/>
+        </p:nvSpPr>
+        <p:spPr>
+          <a:xfrm>
+            <a:off x="2093843" y="1205948"/>
+            <a:ext cx="9872870" cy="646331"/>
+          </a:xfrm>
+          <a:prstGeom prst="rect">
+            <a:avLst/>
+          </a:prstGeom>
+          <a:noFill/>
+        </p:spPr>
+        <p:txBody>
+          <a:bodyPr wrap="square" rtlCol="0">
+            <a:spAutoFit/>
+          </a:bodyPr>
+          <a:lstStyle/>
+          <a:p>
+            <a:r>
+              <a:rPr lang="en-IN" dirty="0"/>
+              <a:t>This page contains the list of applications that are processed by the personnel and the specified are ready  to be issued.</a:t>
             </a:r>
           </a:p>
         </p:txBody>
       </p:sp>
       <p:pic>
         <p:nvPicPr>
-          <p:cNvPr id="6" name="Content Placeholder 5">
+          <p:cNvPr id="9" name="Content Placeholder 8">
             <a:extLst>
               <a:ext uri="{FF2B5EF4-FFF2-40B4-BE49-F238E27FC236}">
-                <a16:creationId xmlns:a16="http://schemas.microsoft.com/office/drawing/2014/main" id="{B6516B19-4CDC-4B60-9C72-DCC3E5949FFA}"/>
+                <a16:creationId xmlns:a16="http://schemas.microsoft.com/office/drawing/2014/main" id="{950E8FA9-27A5-4511-A691-246F3389FF11}"/>
               </a:ext>
             </a:extLst>
           </p:cNvPr>
@@ -8406,50 +8442,15 @@
         </p:blipFill>
         <p:spPr>
           <a:xfrm>
-            <a:off x="3108960" y="2377440"/>
-            <a:ext cx="7835705" cy="3914237"/>
+            <a:off x="2589213" y="2133599"/>
+            <a:ext cx="8496129" cy="4210929"/>
           </a:xfrm>
         </p:spPr>
       </p:pic>
-      <p:sp>
-        <p:nvSpPr>
-          <p:cNvPr id="4" name="TextBox 3">
-            <a:extLst>
-              <a:ext uri="{FF2B5EF4-FFF2-40B4-BE49-F238E27FC236}">
-                <a16:creationId xmlns:a16="http://schemas.microsoft.com/office/drawing/2014/main" id="{070CE579-F2CF-471F-A852-F6E35F7B7D21}"/>
-              </a:ext>
-            </a:extLst>
-          </p:cNvPr>
-          <p:cNvSpPr txBox="1"/>
-          <p:nvPr/>
-        </p:nvSpPr>
-        <p:spPr>
-          <a:xfrm>
-            <a:off x="2107094" y="1456252"/>
-            <a:ext cx="9859617" cy="646331"/>
-          </a:xfrm>
-          <a:prstGeom prst="rect">
-            <a:avLst/>
-          </a:prstGeom>
-          <a:noFill/>
-        </p:spPr>
-        <p:txBody>
-          <a:bodyPr wrap="square" rtlCol="0">
-            <a:spAutoFit/>
-          </a:bodyPr>
-          <a:lstStyle/>
-          <a:p>
-            <a:r>
-              <a:rPr lang="en-IN" dirty="0"/>
-              <a:t>If the admin feels that the details submitted by the applicant are not legit , the form can be ignored by clicking the “Ignored” link , the form will be removed from the list.</a:t>
-            </a:r>
-          </a:p>
-        </p:txBody>
-      </p:sp>
     </p:spTree>
     <p:extLst>
       <p:ext uri="{BB962C8B-B14F-4D97-AF65-F5344CB8AC3E}">
-        <p14:creationId xmlns:p14="http://schemas.microsoft.com/office/powerpoint/2010/main" val="3133491593"/>
+        <p14:creationId xmlns:p14="http://schemas.microsoft.com/office/powerpoint/2010/main" val="4194712856"/>
       </p:ext>
     </p:extLst>
   </p:cSld>
@@ -8478,6 +8479,134 @@
       </p:grpSpPr>
       <p:sp>
         <p:nvSpPr>
+          <p:cNvPr id="2" name="Title 1">
+            <a:extLst>
+              <a:ext uri="{FF2B5EF4-FFF2-40B4-BE49-F238E27FC236}">
+                <a16:creationId xmlns:a16="http://schemas.microsoft.com/office/drawing/2014/main" id="{E572566D-14F8-4C2C-AB25-ABBBCC26BBE9}"/>
+              </a:ext>
+            </a:extLst>
+          </p:cNvPr>
+          <p:cNvSpPr>
+            <a:spLocks noGrp="1"/>
+          </p:cNvSpPr>
+          <p:nvPr>
+            <p:ph type="title"/>
+          </p:nvPr>
+        </p:nvSpPr>
+        <p:spPr>
+          <a:xfrm>
+            <a:off x="2581060" y="211780"/>
+            <a:ext cx="8911687" cy="833629"/>
+          </a:xfrm>
+        </p:spPr>
+        <p:txBody>
+          <a:bodyPr/>
+          <a:lstStyle/>
+          <a:p>
+            <a:pPr algn="ctr"/>
+            <a:r>
+              <a:rPr lang="en-IN" dirty="0"/>
+              <a:t>Ignore page</a:t>
+            </a:r>
+          </a:p>
+        </p:txBody>
+      </p:sp>
+      <p:pic>
+        <p:nvPicPr>
+          <p:cNvPr id="6" name="Content Placeholder 5">
+            <a:extLst>
+              <a:ext uri="{FF2B5EF4-FFF2-40B4-BE49-F238E27FC236}">
+                <a16:creationId xmlns:a16="http://schemas.microsoft.com/office/drawing/2014/main" id="{B6516B19-4CDC-4B60-9C72-DCC3E5949FFA}"/>
+              </a:ext>
+            </a:extLst>
+          </p:cNvPr>
+          <p:cNvPicPr>
+            <a:picLocks noGrp="1" noChangeAspect="1"/>
+          </p:cNvPicPr>
+          <p:nvPr>
+            <p:ph idx="1"/>
+          </p:nvPr>
+        </p:nvPicPr>
+        <p:blipFill>
+          <a:blip r:embed="rId2"/>
+          <a:stretch>
+            <a:fillRect/>
+          </a:stretch>
+        </p:blipFill>
+        <p:spPr>
+          <a:xfrm>
+            <a:off x="3108960" y="2377440"/>
+            <a:ext cx="7835705" cy="3914237"/>
+          </a:xfrm>
+        </p:spPr>
+      </p:pic>
+      <p:sp>
+        <p:nvSpPr>
+          <p:cNvPr id="4" name="TextBox 3">
+            <a:extLst>
+              <a:ext uri="{FF2B5EF4-FFF2-40B4-BE49-F238E27FC236}">
+                <a16:creationId xmlns:a16="http://schemas.microsoft.com/office/drawing/2014/main" id="{070CE579-F2CF-471F-A852-F6E35F7B7D21}"/>
+              </a:ext>
+            </a:extLst>
+          </p:cNvPr>
+          <p:cNvSpPr txBox="1"/>
+          <p:nvPr/>
+        </p:nvSpPr>
+        <p:spPr>
+          <a:xfrm>
+            <a:off x="2107094" y="1456252"/>
+            <a:ext cx="9859617" cy="646331"/>
+          </a:xfrm>
+          <a:prstGeom prst="rect">
+            <a:avLst/>
+          </a:prstGeom>
+          <a:noFill/>
+        </p:spPr>
+        <p:txBody>
+          <a:bodyPr wrap="square" rtlCol="0">
+            <a:spAutoFit/>
+          </a:bodyPr>
+          <a:lstStyle/>
+          <a:p>
+            <a:r>
+              <a:rPr lang="en-IN" dirty="0"/>
+              <a:t>If the admin feels that the details submitted by the applicant are not legit , the form can be ignored by clicking the “Ignored” link , the form will be removed from the list.</a:t>
+            </a:r>
+          </a:p>
+        </p:txBody>
+      </p:sp>
+    </p:spTree>
+    <p:extLst>
+      <p:ext uri="{BB962C8B-B14F-4D97-AF65-F5344CB8AC3E}">
+        <p14:creationId xmlns:p14="http://schemas.microsoft.com/office/powerpoint/2010/main" val="3133491593"/>
+      </p:ext>
+    </p:extLst>
+  </p:cSld>
+  <p:clrMapOvr>
+    <a:masterClrMapping/>
+  </p:clrMapOvr>
+</p:sld>
+</file>
+
+<file path=ppt/slides/slide9.xml><?xml version="1.0" encoding="utf-8"?>
+<p:sld xmlns:a="http://schemas.openxmlformats.org/drawingml/2006/main" xmlns:r="http://schemas.openxmlformats.org/officeDocument/2006/relationships" xmlns:p="http://schemas.openxmlformats.org/presentationml/2006/main">
+  <p:cSld>
+    <p:spTree>
+      <p:nvGrpSpPr>
+        <p:cNvPr id="1" name=""/>
+        <p:cNvGrpSpPr/>
+        <p:nvPr/>
+      </p:nvGrpSpPr>
+      <p:grpSpPr>
+        <a:xfrm>
+          <a:off x="0" y="0"/>
+          <a:ext cx="0" cy="0"/>
+          <a:chOff x="0" y="0"/>
+          <a:chExt cx="0" cy="0"/>
+        </a:xfrm>
+      </p:grpSpPr>
+      <p:sp>
+        <p:nvSpPr>
           <p:cNvPr id="4" name="Title 3">
             <a:extLst>
               <a:ext uri="{FF2B5EF4-FFF2-40B4-BE49-F238E27FC236}">
@@ -8549,9 +8678,10 @@
           </a:p>
           <a:p>
             <a:r>
-              <a:rPr lang="en-IN" dirty="0"/>
-              <a:t>Akshatha</a:t>
-            </a:r>
+              <a:rPr lang="en-IN"/>
+              <a:t>Akshatha Sudarshan</a:t>
+            </a:r>
+            <a:endParaRPr lang="en-IN" dirty="0"/>
           </a:p>
           <a:p>
             <a:r>

--- a/CGAppt.pptx
+++ b/CGAppt.pptx
@@ -6,14 +6,15 @@
   </p:sldMasterIdLst>
   <p:sldIdLst>
     <p:sldId id="256" r:id="rId2"/>
-    <p:sldId id="264" r:id="rId3"/>
-    <p:sldId id="257" r:id="rId4"/>
-    <p:sldId id="258" r:id="rId5"/>
-    <p:sldId id="259" r:id="rId6"/>
-    <p:sldId id="260" r:id="rId7"/>
-    <p:sldId id="262" r:id="rId8"/>
-    <p:sldId id="261" r:id="rId9"/>
-    <p:sldId id="263" r:id="rId10"/>
+    <p:sldId id="257" r:id="rId3"/>
+    <p:sldId id="258" r:id="rId4"/>
+    <p:sldId id="259" r:id="rId5"/>
+    <p:sldId id="260" r:id="rId6"/>
+    <p:sldId id="262" r:id="rId7"/>
+    <p:sldId id="261" r:id="rId8"/>
+    <p:sldId id="265" r:id="rId9"/>
+    <p:sldId id="264" r:id="rId10"/>
+    <p:sldId id="263" r:id="rId11"/>
   </p:sldIdLst>
   <p:sldSz cx="12192000" cy="6858000"/>
   <p:notesSz cx="6858000" cy="9144000"/>
@@ -7719,6 +7720,138 @@
 </p:sld>
 </file>
 
+<file path=ppt/slides/slide10.xml><?xml version="1.0" encoding="utf-8"?>
+<p:sld xmlns:a="http://schemas.openxmlformats.org/drawingml/2006/main" xmlns:r="http://schemas.openxmlformats.org/officeDocument/2006/relationships" xmlns:p="http://schemas.openxmlformats.org/presentationml/2006/main">
+  <p:cSld>
+    <p:spTree>
+      <p:nvGrpSpPr>
+        <p:cNvPr id="1" name=""/>
+        <p:cNvGrpSpPr/>
+        <p:nvPr/>
+      </p:nvGrpSpPr>
+      <p:grpSpPr>
+        <a:xfrm>
+          <a:off x="0" y="0"/>
+          <a:ext cx="0" cy="0"/>
+          <a:chOff x="0" y="0"/>
+          <a:chExt cx="0" cy="0"/>
+        </a:xfrm>
+      </p:grpSpPr>
+      <p:sp>
+        <p:nvSpPr>
+          <p:cNvPr id="4" name="Title 3">
+            <a:extLst>
+              <a:ext uri="{FF2B5EF4-FFF2-40B4-BE49-F238E27FC236}">
+                <a16:creationId xmlns:a16="http://schemas.microsoft.com/office/drawing/2014/main" id="{852D69EE-9EC7-4808-8901-C00BE3787BFE}"/>
+              </a:ext>
+            </a:extLst>
+          </p:cNvPr>
+          <p:cNvSpPr>
+            <a:spLocks noGrp="1"/>
+          </p:cNvSpPr>
+          <p:nvPr>
+            <p:ph type="ctrTitle"/>
+          </p:nvPr>
+        </p:nvSpPr>
+        <p:spPr>
+          <a:xfrm>
+            <a:off x="2430187" y="1282148"/>
+            <a:ext cx="8915399" cy="2262781"/>
+          </a:xfrm>
+        </p:spPr>
+        <p:txBody>
+          <a:bodyPr/>
+          <a:lstStyle/>
+          <a:p>
+            <a:pPr algn="ctr"/>
+            <a:r>
+              <a:rPr lang="en-IN" dirty="0"/>
+              <a:t>Thank you</a:t>
+            </a:r>
+          </a:p>
+        </p:txBody>
+      </p:sp>
+      <p:sp>
+        <p:nvSpPr>
+          <p:cNvPr id="5" name="Subtitle 4">
+            <a:extLst>
+              <a:ext uri="{FF2B5EF4-FFF2-40B4-BE49-F238E27FC236}">
+                <a16:creationId xmlns:a16="http://schemas.microsoft.com/office/drawing/2014/main" id="{36021D7B-ABDB-4E0D-AAED-80FBB6A1B591}"/>
+              </a:ext>
+            </a:extLst>
+          </p:cNvPr>
+          <p:cNvSpPr>
+            <a:spLocks noGrp="1"/>
+          </p:cNvSpPr>
+          <p:nvPr>
+            <p:ph type="subTitle" idx="1"/>
+          </p:nvPr>
+        </p:nvSpPr>
+        <p:spPr>
+          <a:xfrm>
+            <a:off x="8570794" y="4346714"/>
+            <a:ext cx="3621206" cy="2511286"/>
+          </a:xfrm>
+        </p:spPr>
+        <p:txBody>
+          <a:bodyPr>
+            <a:normAutofit/>
+          </a:bodyPr>
+          <a:lstStyle/>
+          <a:p>
+            <a:r>
+              <a:rPr lang="en-IN" dirty="0"/>
+              <a:t>Software developed by,</a:t>
+            </a:r>
+          </a:p>
+          <a:p>
+            <a:r>
+              <a:rPr lang="en-IN" dirty="0"/>
+              <a:t>DEVops team,</a:t>
+            </a:r>
+          </a:p>
+          <a:p>
+            <a:r>
+              <a:rPr lang="en-IN" dirty="0"/>
+              <a:t>	Sanath R Bharadwaj</a:t>
+            </a:r>
+          </a:p>
+          <a:p>
+            <a:r>
+              <a:rPr lang="en-IN" dirty="0"/>
+              <a:t>	Akshatha Sudarshan</a:t>
+            </a:r>
+          </a:p>
+          <a:p>
+            <a:r>
+              <a:rPr lang="en-IN" dirty="0"/>
+              <a:t>	Anirudh Iyengar</a:t>
+            </a:r>
+          </a:p>
+          <a:p>
+            <a:r>
+              <a:rPr lang="en-IN" dirty="0"/>
+              <a:t>	Vijeth Kashyap</a:t>
+            </a:r>
+          </a:p>
+          <a:p>
+            <a:endParaRPr lang="en-IN" dirty="0"/>
+          </a:p>
+        </p:txBody>
+      </p:sp>
+    </p:spTree>
+    <p:extLst>
+      <p:ext uri="{BB962C8B-B14F-4D97-AF65-F5344CB8AC3E}">
+        <p14:creationId xmlns:p14="http://schemas.microsoft.com/office/powerpoint/2010/main" val="767716249"/>
+      </p:ext>
+    </p:extLst>
+  </p:cSld>
+  <p:clrMapOvr>
+    <a:masterClrMapping/>
+  </p:clrMapOvr>
+</p:sld>
+</file>
+
 <file path=ppt/slides/slide2.xml><?xml version="1.0" encoding="utf-8"?>
 <p:sld xmlns:a="http://schemas.openxmlformats.org/drawingml/2006/main" xmlns:r="http://schemas.openxmlformats.org/officeDocument/2006/relationships" xmlns:p="http://schemas.openxmlformats.org/presentationml/2006/main">
   <p:cSld>
@@ -7741,7 +7874,7 @@
           <p:cNvPr id="2" name="Title 1">
             <a:extLst>
               <a:ext uri="{FF2B5EF4-FFF2-40B4-BE49-F238E27FC236}">
-                <a16:creationId xmlns:a16="http://schemas.microsoft.com/office/drawing/2014/main" id="{C58EB0AD-3F7A-404C-9242-0372331297E8}"/>
+                <a16:creationId xmlns:a16="http://schemas.microsoft.com/office/drawing/2014/main" id="{5055EDDD-36CF-4E05-8121-04E5724C34C6}"/>
               </a:ext>
             </a:extLst>
           </p:cNvPr>
@@ -7752,12 +7885,7 @@
             <p:ph type="title"/>
           </p:nvPr>
         </p:nvSpPr>
-        <p:spPr>
-          <a:xfrm>
-            <a:off x="2589212" y="226544"/>
-            <a:ext cx="8911687" cy="1280890"/>
-          </a:xfrm>
-        </p:spPr>
+        <p:spPr/>
         <p:txBody>
           <a:bodyPr/>
           <a:lstStyle/>
@@ -7765,71 +7893,49 @@
             <a:pPr algn="ctr"/>
             <a:r>
               <a:rPr lang="en-IN" dirty="0"/>
-              <a:t>Certificate</a:t>
-            </a:r>
-          </a:p>
-        </p:txBody>
-      </p:sp>
-      <p:pic>
-        <p:nvPicPr>
-          <p:cNvPr id="6" name="Content Placeholder 5">
+              <a:t>Objective</a:t>
+            </a:r>
+          </a:p>
+        </p:txBody>
+      </p:sp>
+      <p:sp>
+        <p:nvSpPr>
+          <p:cNvPr id="3" name="Content Placeholder 2">
             <a:extLst>
               <a:ext uri="{FF2B5EF4-FFF2-40B4-BE49-F238E27FC236}">
-                <a16:creationId xmlns:a16="http://schemas.microsoft.com/office/drawing/2014/main" id="{12DE8E76-CA9D-4CB6-87DA-5EC76D803CD5}"/>
+                <a16:creationId xmlns:a16="http://schemas.microsoft.com/office/drawing/2014/main" id="{8FD3A556-B6B0-45F8-B3E8-F8732CC298A2}"/>
               </a:ext>
             </a:extLst>
           </p:cNvPr>
-          <p:cNvPicPr>
-            <a:picLocks noGrp="1" noChangeAspect="1"/>
-          </p:cNvPicPr>
+          <p:cNvSpPr>
+            <a:spLocks noGrp="1"/>
+          </p:cNvSpPr>
           <p:nvPr>
             <p:ph idx="1"/>
           </p:nvPr>
-        </p:nvPicPr>
-        <p:blipFill>
-          <a:blip r:embed="rId2"/>
-          <a:stretch>
-            <a:fillRect/>
-          </a:stretch>
-        </p:blipFill>
-        <p:spPr>
-          <a:xfrm>
-            <a:off x="3253149" y="2194560"/>
-            <a:ext cx="7564906" cy="3886102"/>
-          </a:xfrm>
-        </p:spPr>
-      </p:pic>
-      <p:sp>
-        <p:nvSpPr>
-          <p:cNvPr id="4" name="TextBox 3">
-            <a:extLst>
-              <a:ext uri="{FF2B5EF4-FFF2-40B4-BE49-F238E27FC236}">
-                <a16:creationId xmlns:a16="http://schemas.microsoft.com/office/drawing/2014/main" id="{783EDCA3-D8DA-4AD7-AF84-62E1CE362C4A}"/>
-              </a:ext>
-            </a:extLst>
-          </p:cNvPr>
-          <p:cNvSpPr txBox="1"/>
-          <p:nvPr/>
-        </p:nvSpPr>
-        <p:spPr>
-          <a:xfrm>
-            <a:off x="2014330" y="1139687"/>
-            <a:ext cx="9965635" cy="646331"/>
-          </a:xfrm>
-          <a:prstGeom prst="rect">
-            <a:avLst/>
-          </a:prstGeom>
-          <a:noFill/>
-        </p:spPr>
-        <p:txBody>
-          <a:bodyPr wrap="square" rtlCol="0">
-            <a:spAutoFit/>
+        </p:nvSpPr>
+        <p:spPr/>
+        <p:txBody>
+          <a:bodyPr>
+            <a:normAutofit/>
           </a:bodyPr>
           <a:lstStyle/>
           <a:p>
             <a:r>
-              <a:rPr lang="en-IN" dirty="0"/>
-              <a:t>After processing the details of the applicant, the requested certificate is issued which can be printed by the applicant.</a:t>
+              <a:rPr lang="en-IN" sz="2000" dirty="0"/>
+              <a:t>To provide an easy interface for the applicants to fill in the required details .</a:t>
+            </a:r>
+          </a:p>
+          <a:p>
+            <a:r>
+              <a:rPr lang="en-IN" sz="2000" dirty="0"/>
+              <a:t>To provide a simple interface for the concerned personnel to evaluate the details submitted by the applicants.</a:t>
+            </a:r>
+          </a:p>
+          <a:p>
+            <a:r>
+              <a:rPr lang="en-IN" sz="2000" dirty="0"/>
+              <a:t>To generate the required certificate depending  on the legitimate details and the reason for application specified by the applicants.</a:t>
             </a:r>
           </a:p>
         </p:txBody>
@@ -7837,7 +7943,7 @@
     </p:spTree>
     <p:extLst>
       <p:ext uri="{BB962C8B-B14F-4D97-AF65-F5344CB8AC3E}">
-        <p14:creationId xmlns:p14="http://schemas.microsoft.com/office/powerpoint/2010/main" val="362003737"/>
+        <p14:creationId xmlns:p14="http://schemas.microsoft.com/office/powerpoint/2010/main" val="863327285"/>
       </p:ext>
     </p:extLst>
   </p:cSld>
@@ -7869,7 +7975,7 @@
           <p:cNvPr id="2" name="Title 1">
             <a:extLst>
               <a:ext uri="{FF2B5EF4-FFF2-40B4-BE49-F238E27FC236}">
-                <a16:creationId xmlns:a16="http://schemas.microsoft.com/office/drawing/2014/main" id="{5055EDDD-36CF-4E05-8121-04E5724C34C6}"/>
+                <a16:creationId xmlns:a16="http://schemas.microsoft.com/office/drawing/2014/main" id="{DB94D7F5-3102-4955-BE27-4388C1C91165}"/>
               </a:ext>
             </a:extLst>
           </p:cNvPr>
@@ -7880,7 +7986,12 @@
             <p:ph type="title"/>
           </p:nvPr>
         </p:nvSpPr>
-        <p:spPr/>
+        <p:spPr>
+          <a:xfrm>
+            <a:off x="2380890" y="463826"/>
+            <a:ext cx="8911687" cy="901148"/>
+          </a:xfrm>
+        </p:spPr>
         <p:txBody>
           <a:bodyPr/>
           <a:lstStyle/>
@@ -7888,49 +7999,71 @@
             <a:pPr algn="ctr"/>
             <a:r>
               <a:rPr lang="en-IN" dirty="0"/>
-              <a:t>Objective</a:t>
-            </a:r>
-          </a:p>
-        </p:txBody>
-      </p:sp>
-      <p:sp>
-        <p:nvSpPr>
-          <p:cNvPr id="3" name="Content Placeholder 2">
+              <a:t>Form</a:t>
+            </a:r>
+          </a:p>
+        </p:txBody>
+      </p:sp>
+      <p:pic>
+        <p:nvPicPr>
+          <p:cNvPr id="7" name="Content Placeholder 6">
             <a:extLst>
               <a:ext uri="{FF2B5EF4-FFF2-40B4-BE49-F238E27FC236}">
-                <a16:creationId xmlns:a16="http://schemas.microsoft.com/office/drawing/2014/main" id="{8FD3A556-B6B0-45F8-B3E8-F8732CC298A2}"/>
+                <a16:creationId xmlns:a16="http://schemas.microsoft.com/office/drawing/2014/main" id="{121264BF-BEFA-40DB-90DB-9455D89EACCB}"/>
               </a:ext>
             </a:extLst>
           </p:cNvPr>
-          <p:cNvSpPr>
-            <a:spLocks noGrp="1"/>
-          </p:cNvSpPr>
+          <p:cNvPicPr>
+            <a:picLocks noGrp="1" noChangeAspect="1"/>
+          </p:cNvPicPr>
           <p:nvPr>
             <p:ph idx="1"/>
           </p:nvPr>
-        </p:nvSpPr>
-        <p:spPr/>
-        <p:txBody>
-          <a:bodyPr>
-            <a:normAutofit/>
+        </p:nvPicPr>
+        <p:blipFill>
+          <a:blip r:embed="rId2"/>
+          <a:stretch>
+            <a:fillRect/>
+          </a:stretch>
+        </p:blipFill>
+        <p:spPr>
+          <a:xfrm>
+            <a:off x="3536088" y="2074985"/>
+            <a:ext cx="7385538" cy="4783015"/>
+          </a:xfrm>
+        </p:spPr>
+      </p:pic>
+      <p:sp>
+        <p:nvSpPr>
+          <p:cNvPr id="9" name="TextBox 8">
+            <a:extLst>
+              <a:ext uri="{FF2B5EF4-FFF2-40B4-BE49-F238E27FC236}">
+                <a16:creationId xmlns:a16="http://schemas.microsoft.com/office/drawing/2014/main" id="{2642A89B-168A-412D-B29B-0F4CDA55561E}"/>
+              </a:ext>
+            </a:extLst>
+          </p:cNvPr>
+          <p:cNvSpPr txBox="1"/>
+          <p:nvPr/>
+        </p:nvSpPr>
+        <p:spPr>
+          <a:xfrm>
+            <a:off x="2380890" y="1232452"/>
+            <a:ext cx="9599075" cy="646331"/>
+          </a:xfrm>
+          <a:prstGeom prst="rect">
+            <a:avLst/>
+          </a:prstGeom>
+          <a:noFill/>
+        </p:spPr>
+        <p:txBody>
+          <a:bodyPr wrap="square" rtlCol="0">
+            <a:spAutoFit/>
           </a:bodyPr>
           <a:lstStyle/>
           <a:p>
             <a:r>
-              <a:rPr lang="en-IN" sz="2000" dirty="0"/>
-              <a:t>To provide an easy interface for the applicants to fill in the required details .</a:t>
-            </a:r>
-          </a:p>
-          <a:p>
-            <a:r>
-              <a:rPr lang="en-IN" sz="2000" dirty="0"/>
-              <a:t>To provide a simple interface for the concerned personnel to evaluate the details submitted by the applicants.</a:t>
-            </a:r>
-          </a:p>
-          <a:p>
-            <a:r>
-              <a:rPr lang="en-IN" sz="2000" dirty="0"/>
-              <a:t>To generate the required certificate depending  on the legitimate details and the reason for application specified by the applicants.</a:t>
+              <a:rPr lang="en-IN" dirty="0"/>
+              <a:t>Applicants have to fill in the required details specified in the form and click submit button for further processing.</a:t>
             </a:r>
           </a:p>
         </p:txBody>
@@ -7938,7 +8071,7 @@
     </p:spTree>
     <p:extLst>
       <p:ext uri="{BB962C8B-B14F-4D97-AF65-F5344CB8AC3E}">
-        <p14:creationId xmlns:p14="http://schemas.microsoft.com/office/powerpoint/2010/main" val="863327285"/>
+        <p14:creationId xmlns:p14="http://schemas.microsoft.com/office/powerpoint/2010/main" val="1517550276"/>
       </p:ext>
     </p:extLst>
   </p:cSld>
@@ -7970,7 +8103,7 @@
           <p:cNvPr id="2" name="Title 1">
             <a:extLst>
               <a:ext uri="{FF2B5EF4-FFF2-40B4-BE49-F238E27FC236}">
-                <a16:creationId xmlns:a16="http://schemas.microsoft.com/office/drawing/2014/main" id="{DB94D7F5-3102-4955-BE27-4388C1C91165}"/>
+                <a16:creationId xmlns:a16="http://schemas.microsoft.com/office/drawing/2014/main" id="{8C53EB4B-BAE1-472C-8CF5-DF3AEB12608D}"/>
               </a:ext>
             </a:extLst>
           </p:cNvPr>
@@ -7983,8 +8116,8 @@
         </p:nvSpPr>
         <p:spPr>
           <a:xfrm>
-            <a:off x="2380890" y="463826"/>
-            <a:ext cx="8911687" cy="901148"/>
+            <a:off x="2380891" y="253049"/>
+            <a:ext cx="8911687" cy="1280890"/>
           </a:xfrm>
         </p:spPr>
         <p:txBody>
@@ -7994,17 +8127,17 @@
             <a:pPr algn="ctr"/>
             <a:r>
               <a:rPr lang="en-IN" dirty="0"/>
-              <a:t>Form</a:t>
+              <a:t>Admin page</a:t>
             </a:r>
           </a:p>
         </p:txBody>
       </p:sp>
       <p:pic>
         <p:nvPicPr>
-          <p:cNvPr id="7" name="Content Placeholder 6">
+          <p:cNvPr id="6" name="Content Placeholder 5">
             <a:extLst>
               <a:ext uri="{FF2B5EF4-FFF2-40B4-BE49-F238E27FC236}">
-                <a16:creationId xmlns:a16="http://schemas.microsoft.com/office/drawing/2014/main" id="{121264BF-BEFA-40DB-90DB-9455D89EACCB}"/>
+                <a16:creationId xmlns:a16="http://schemas.microsoft.com/office/drawing/2014/main" id="{52633ADB-CCF1-4715-90AE-7FCC67B0E612}"/>
               </a:ext>
             </a:extLst>
           </p:cNvPr>
@@ -8023,17 +8156,17 @@
         </p:blipFill>
         <p:spPr>
           <a:xfrm>
-            <a:off x="3536088" y="2074985"/>
-            <a:ext cx="7385538" cy="4783015"/>
+            <a:off x="3488788" y="2053883"/>
+            <a:ext cx="7076049" cy="4037428"/>
           </a:xfrm>
         </p:spPr>
       </p:pic>
       <p:sp>
         <p:nvSpPr>
-          <p:cNvPr id="9" name="TextBox 8">
+          <p:cNvPr id="4" name="TextBox 3">
             <a:extLst>
               <a:ext uri="{FF2B5EF4-FFF2-40B4-BE49-F238E27FC236}">
-                <a16:creationId xmlns:a16="http://schemas.microsoft.com/office/drawing/2014/main" id="{2642A89B-168A-412D-B29B-0F4CDA55561E}"/>
+                <a16:creationId xmlns:a16="http://schemas.microsoft.com/office/drawing/2014/main" id="{635FC30B-1284-4D09-8BB2-2BA93824A5F7}"/>
               </a:ext>
             </a:extLst>
           </p:cNvPr>
@@ -8042,8 +8175,8 @@
         </p:nvSpPr>
         <p:spPr>
           <a:xfrm>
-            <a:off x="2380890" y="1232452"/>
-            <a:ext cx="9599075" cy="646331"/>
+            <a:off x="2822713" y="1349273"/>
+            <a:ext cx="10031896" cy="369332"/>
           </a:xfrm>
           <a:prstGeom prst="rect">
             <a:avLst/>
@@ -8058,7 +8191,7 @@
           <a:p>
             <a:r>
               <a:rPr lang="en-IN" dirty="0"/>
-              <a:t>Applicants have to fill in the required details specified in the form and click submit button for further processing.</a:t>
+              <a:t>The details sent by the student will be received here for further processing.</a:t>
             </a:r>
           </a:p>
         </p:txBody>
@@ -8066,7 +8199,7 @@
     </p:spTree>
     <p:extLst>
       <p:ext uri="{BB962C8B-B14F-4D97-AF65-F5344CB8AC3E}">
-        <p14:creationId xmlns:p14="http://schemas.microsoft.com/office/powerpoint/2010/main" val="1517550276"/>
+        <p14:creationId xmlns:p14="http://schemas.microsoft.com/office/powerpoint/2010/main" val="1790265739"/>
       </p:ext>
     </p:extLst>
   </p:cSld>
@@ -8098,7 +8231,7 @@
           <p:cNvPr id="2" name="Title 1">
             <a:extLst>
               <a:ext uri="{FF2B5EF4-FFF2-40B4-BE49-F238E27FC236}">
-                <a16:creationId xmlns:a16="http://schemas.microsoft.com/office/drawing/2014/main" id="{8C53EB4B-BAE1-472C-8CF5-DF3AEB12608D}"/>
+                <a16:creationId xmlns:a16="http://schemas.microsoft.com/office/drawing/2014/main" id="{364696E3-A3E2-4961-93B1-91E432D37489}"/>
               </a:ext>
             </a:extLst>
           </p:cNvPr>
@@ -8111,7 +8244,7 @@
         </p:nvSpPr>
         <p:spPr>
           <a:xfrm>
-            <a:off x="2380891" y="253049"/>
+            <a:off x="2473655" y="253049"/>
             <a:ext cx="8911687" cy="1280890"/>
           </a:xfrm>
         </p:spPr>
@@ -8122,7 +8255,7 @@
             <a:pPr algn="ctr"/>
             <a:r>
               <a:rPr lang="en-IN" dirty="0"/>
-              <a:t>Admin page</a:t>
+              <a:t>Request page</a:t>
             </a:r>
           </a:p>
         </p:txBody>
@@ -8132,7 +8265,7 @@
           <p:cNvPr id="6" name="Content Placeholder 5">
             <a:extLst>
               <a:ext uri="{FF2B5EF4-FFF2-40B4-BE49-F238E27FC236}">
-                <a16:creationId xmlns:a16="http://schemas.microsoft.com/office/drawing/2014/main" id="{52633ADB-CCF1-4715-90AE-7FCC67B0E612}"/>
+                <a16:creationId xmlns:a16="http://schemas.microsoft.com/office/drawing/2014/main" id="{FEC0A780-2BF9-4A4D-9535-051CB8F8B839}"/>
               </a:ext>
             </a:extLst>
           </p:cNvPr>
@@ -8151,8 +8284,8 @@
         </p:blipFill>
         <p:spPr>
           <a:xfrm>
-            <a:off x="3488788" y="2053883"/>
-            <a:ext cx="7076049" cy="4037428"/>
+            <a:off x="2771334" y="1885072"/>
+            <a:ext cx="7835705" cy="4403186"/>
           </a:xfrm>
         </p:spPr>
       </p:pic>
@@ -8161,7 +8294,7 @@
           <p:cNvPr id="4" name="TextBox 3">
             <a:extLst>
               <a:ext uri="{FF2B5EF4-FFF2-40B4-BE49-F238E27FC236}">
-                <a16:creationId xmlns:a16="http://schemas.microsoft.com/office/drawing/2014/main" id="{635FC30B-1284-4D09-8BB2-2BA93824A5F7}"/>
+                <a16:creationId xmlns:a16="http://schemas.microsoft.com/office/drawing/2014/main" id="{6B8118DE-96BA-4600-8650-34C55E1FB011}"/>
               </a:ext>
             </a:extLst>
           </p:cNvPr>
@@ -8170,8 +8303,8 @@
         </p:nvSpPr>
         <p:spPr>
           <a:xfrm>
-            <a:off x="2822713" y="1349273"/>
-            <a:ext cx="10031896" cy="369332"/>
+            <a:off x="1946681" y="1187438"/>
+            <a:ext cx="9965634" cy="369332"/>
           </a:xfrm>
           <a:prstGeom prst="rect">
             <a:avLst/>
@@ -8186,7 +8319,7 @@
           <a:p>
             <a:r>
               <a:rPr lang="en-IN" dirty="0"/>
-              <a:t>The details sent by the student will be received here for further processing.</a:t>
+              <a:t>This page contains the list as well as the details of the applicant as submitted in the form.</a:t>
             </a:r>
           </a:p>
         </p:txBody>
@@ -8194,7 +8327,7 @@
     </p:spTree>
     <p:extLst>
       <p:ext uri="{BB962C8B-B14F-4D97-AF65-F5344CB8AC3E}">
-        <p14:creationId xmlns:p14="http://schemas.microsoft.com/office/powerpoint/2010/main" val="1790265739"/>
+        <p14:creationId xmlns:p14="http://schemas.microsoft.com/office/powerpoint/2010/main" val="98424936"/>
       </p:ext>
     </p:extLst>
   </p:cSld>
@@ -8226,7 +8359,7 @@
           <p:cNvPr id="2" name="Title 1">
             <a:extLst>
               <a:ext uri="{FF2B5EF4-FFF2-40B4-BE49-F238E27FC236}">
-                <a16:creationId xmlns:a16="http://schemas.microsoft.com/office/drawing/2014/main" id="{364696E3-A3E2-4961-93B1-91E432D37489}"/>
+                <a16:creationId xmlns:a16="http://schemas.microsoft.com/office/drawing/2014/main" id="{12B6E214-FAEA-48A3-BB44-ADB97EBA81CA}"/>
               </a:ext>
             </a:extLst>
           </p:cNvPr>
@@ -8239,8 +8372,8 @@
         </p:nvSpPr>
         <p:spPr>
           <a:xfrm>
-            <a:off x="2473655" y="253049"/>
-            <a:ext cx="8911687" cy="1280890"/>
+            <a:off x="2589212" y="266301"/>
+            <a:ext cx="8911687" cy="939647"/>
           </a:xfrm>
         </p:spPr>
         <p:txBody>
@@ -8250,17 +8383,52 @@
             <a:pPr algn="ctr"/>
             <a:r>
               <a:rPr lang="en-IN" dirty="0"/>
-              <a:t>Request page</a:t>
+              <a:t>Processed page</a:t>
+            </a:r>
+          </a:p>
+        </p:txBody>
+      </p:sp>
+      <p:sp>
+        <p:nvSpPr>
+          <p:cNvPr id="4" name="TextBox 3">
+            <a:extLst>
+              <a:ext uri="{FF2B5EF4-FFF2-40B4-BE49-F238E27FC236}">
+                <a16:creationId xmlns:a16="http://schemas.microsoft.com/office/drawing/2014/main" id="{220F485B-8DF7-4084-BB9A-98329879B704}"/>
+              </a:ext>
+            </a:extLst>
+          </p:cNvPr>
+          <p:cNvSpPr txBox="1"/>
+          <p:nvPr/>
+        </p:nvSpPr>
+        <p:spPr>
+          <a:xfrm>
+            <a:off x="2093843" y="1205948"/>
+            <a:ext cx="9872870" cy="646331"/>
+          </a:xfrm>
+          <a:prstGeom prst="rect">
+            <a:avLst/>
+          </a:prstGeom>
+          <a:noFill/>
+        </p:spPr>
+        <p:txBody>
+          <a:bodyPr wrap="square" rtlCol="0">
+            <a:spAutoFit/>
+          </a:bodyPr>
+          <a:lstStyle/>
+          <a:p>
+            <a:r>
+              <a:rPr lang="en-IN" dirty="0"/>
+              <a:t>This page contains the list of applications that are processed by the personnel and the specified are ready  to be issued.</a:t>
             </a:r>
           </a:p>
         </p:txBody>
       </p:sp>
       <p:pic>
         <p:nvPicPr>
-          <p:cNvPr id="6" name="Content Placeholder 5">
+          <p:cNvPr id="9" name="Content Placeholder 8">
             <a:extLst>
               <a:ext uri="{FF2B5EF4-FFF2-40B4-BE49-F238E27FC236}">
-                <a16:creationId xmlns:a16="http://schemas.microsoft.com/office/drawing/2014/main" id="{FEC0A780-2BF9-4A4D-9535-051CB8F8B839}"/>
+                <a16:creationId xmlns:a16="http://schemas.microsoft.com/office/drawing/2014/main" id="{950E8FA9-27A5-4511-A691-246F3389FF11}"/>
               </a:ext>
             </a:extLst>
           </p:cNvPr>
@@ -8279,50 +8447,15 @@
         </p:blipFill>
         <p:spPr>
           <a:xfrm>
-            <a:off x="2771334" y="1885072"/>
-            <a:ext cx="7835705" cy="4403186"/>
+            <a:off x="2589213" y="2133599"/>
+            <a:ext cx="8496129" cy="4210929"/>
           </a:xfrm>
         </p:spPr>
       </p:pic>
-      <p:sp>
-        <p:nvSpPr>
-          <p:cNvPr id="4" name="TextBox 3">
-            <a:extLst>
-              <a:ext uri="{FF2B5EF4-FFF2-40B4-BE49-F238E27FC236}">
-                <a16:creationId xmlns:a16="http://schemas.microsoft.com/office/drawing/2014/main" id="{6B8118DE-96BA-4600-8650-34C55E1FB011}"/>
-              </a:ext>
-            </a:extLst>
-          </p:cNvPr>
-          <p:cNvSpPr txBox="1"/>
-          <p:nvPr/>
-        </p:nvSpPr>
-        <p:spPr>
-          <a:xfrm>
-            <a:off x="1946681" y="1187438"/>
-            <a:ext cx="9965634" cy="369332"/>
-          </a:xfrm>
-          <a:prstGeom prst="rect">
-            <a:avLst/>
-          </a:prstGeom>
-          <a:noFill/>
-        </p:spPr>
-        <p:txBody>
-          <a:bodyPr wrap="square" rtlCol="0">
-            <a:spAutoFit/>
-          </a:bodyPr>
-          <a:lstStyle/>
-          <a:p>
-            <a:r>
-              <a:rPr lang="en-IN" dirty="0"/>
-              <a:t>This page contains the list as well as the details of the applicant as submitted in the form.</a:t>
-            </a:r>
-          </a:p>
-        </p:txBody>
-      </p:sp>
     </p:spTree>
     <p:extLst>
       <p:ext uri="{BB962C8B-B14F-4D97-AF65-F5344CB8AC3E}">
-        <p14:creationId xmlns:p14="http://schemas.microsoft.com/office/powerpoint/2010/main" val="98424936"/>
+        <p14:creationId xmlns:p14="http://schemas.microsoft.com/office/powerpoint/2010/main" val="4194712856"/>
       </p:ext>
     </p:extLst>
   </p:cSld>
@@ -8354,7 +8487,7 @@
           <p:cNvPr id="2" name="Title 1">
             <a:extLst>
               <a:ext uri="{FF2B5EF4-FFF2-40B4-BE49-F238E27FC236}">
-                <a16:creationId xmlns:a16="http://schemas.microsoft.com/office/drawing/2014/main" id="{12B6E214-FAEA-48A3-BB44-ADB97EBA81CA}"/>
+                <a16:creationId xmlns:a16="http://schemas.microsoft.com/office/drawing/2014/main" id="{E572566D-14F8-4C2C-AB25-ABBBCC26BBE9}"/>
               </a:ext>
             </a:extLst>
           </p:cNvPr>
@@ -8367,8 +8500,8 @@
         </p:nvSpPr>
         <p:spPr>
           <a:xfrm>
-            <a:off x="2589212" y="266301"/>
-            <a:ext cx="8911687" cy="939647"/>
+            <a:off x="2581060" y="211780"/>
+            <a:ext cx="8911687" cy="833629"/>
           </a:xfrm>
         </p:spPr>
         <p:txBody>
@@ -8378,52 +8511,17 @@
             <a:pPr algn="ctr"/>
             <a:r>
               <a:rPr lang="en-IN" dirty="0"/>
-              <a:t>Processed page</a:t>
-            </a:r>
-          </a:p>
-        </p:txBody>
-      </p:sp>
-      <p:sp>
-        <p:nvSpPr>
-          <p:cNvPr id="4" name="TextBox 3">
+              <a:t>Ignore page</a:t>
+            </a:r>
+          </a:p>
+        </p:txBody>
+      </p:sp>
+      <p:pic>
+        <p:nvPicPr>
+          <p:cNvPr id="6" name="Content Placeholder 5">
             <a:extLst>
               <a:ext uri="{FF2B5EF4-FFF2-40B4-BE49-F238E27FC236}">
-                <a16:creationId xmlns:a16="http://schemas.microsoft.com/office/drawing/2014/main" id="{220F485B-8DF7-4084-BB9A-98329879B704}"/>
-              </a:ext>
-            </a:extLst>
-          </p:cNvPr>
-          <p:cNvSpPr txBox="1"/>
-          <p:nvPr/>
-        </p:nvSpPr>
-        <p:spPr>
-          <a:xfrm>
-            <a:off x="2093843" y="1205948"/>
-            <a:ext cx="9872870" cy="646331"/>
-          </a:xfrm>
-          <a:prstGeom prst="rect">
-            <a:avLst/>
-          </a:prstGeom>
-          <a:noFill/>
-        </p:spPr>
-        <p:txBody>
-          <a:bodyPr wrap="square" rtlCol="0">
-            <a:spAutoFit/>
-          </a:bodyPr>
-          <a:lstStyle/>
-          <a:p>
-            <a:r>
-              <a:rPr lang="en-IN" dirty="0"/>
-              <a:t>This page contains the list of applications that are processed by the personnel and the specified are ready  to be issued.</a:t>
-            </a:r>
-          </a:p>
-        </p:txBody>
-      </p:sp>
-      <p:pic>
-        <p:nvPicPr>
-          <p:cNvPr id="9" name="Content Placeholder 8">
-            <a:extLst>
-              <a:ext uri="{FF2B5EF4-FFF2-40B4-BE49-F238E27FC236}">
-                <a16:creationId xmlns:a16="http://schemas.microsoft.com/office/drawing/2014/main" id="{950E8FA9-27A5-4511-A691-246F3389FF11}"/>
+                <a16:creationId xmlns:a16="http://schemas.microsoft.com/office/drawing/2014/main" id="{B6516B19-4CDC-4B60-9C72-DCC3E5949FFA}"/>
               </a:ext>
             </a:extLst>
           </p:cNvPr>
@@ -8442,15 +8540,50 @@
         </p:blipFill>
         <p:spPr>
           <a:xfrm>
-            <a:off x="2589213" y="2133599"/>
-            <a:ext cx="8496129" cy="4210929"/>
+            <a:off x="3108960" y="2377440"/>
+            <a:ext cx="7835705" cy="3914237"/>
           </a:xfrm>
         </p:spPr>
       </p:pic>
+      <p:sp>
+        <p:nvSpPr>
+          <p:cNvPr id="4" name="TextBox 3">
+            <a:extLst>
+              <a:ext uri="{FF2B5EF4-FFF2-40B4-BE49-F238E27FC236}">
+                <a16:creationId xmlns:a16="http://schemas.microsoft.com/office/drawing/2014/main" id="{070CE579-F2CF-471F-A852-F6E35F7B7D21}"/>
+              </a:ext>
+            </a:extLst>
+          </p:cNvPr>
+          <p:cNvSpPr txBox="1"/>
+          <p:nvPr/>
+        </p:nvSpPr>
+        <p:spPr>
+          <a:xfrm>
+            <a:off x="2107094" y="1456252"/>
+            <a:ext cx="9859617" cy="646331"/>
+          </a:xfrm>
+          <a:prstGeom prst="rect">
+            <a:avLst/>
+          </a:prstGeom>
+          <a:noFill/>
+        </p:spPr>
+        <p:txBody>
+          <a:bodyPr wrap="square" rtlCol="0">
+            <a:spAutoFit/>
+          </a:bodyPr>
+          <a:lstStyle/>
+          <a:p>
+            <a:r>
+              <a:rPr lang="en-IN" dirty="0"/>
+              <a:t>If the admin feels that the details submitted by the applicant are not legit , the form can be ignored by clicking the “Ignored” link , the form will be removed from the list.</a:t>
+            </a:r>
+          </a:p>
+        </p:txBody>
+      </p:sp>
     </p:spTree>
     <p:extLst>
       <p:ext uri="{BB962C8B-B14F-4D97-AF65-F5344CB8AC3E}">
-        <p14:creationId xmlns:p14="http://schemas.microsoft.com/office/powerpoint/2010/main" val="4194712856"/>
+        <p14:creationId xmlns:p14="http://schemas.microsoft.com/office/powerpoint/2010/main" val="3133491593"/>
       </p:ext>
     </p:extLst>
   </p:cSld>
@@ -8482,7 +8615,7 @@
           <p:cNvPr id="2" name="Title 1">
             <a:extLst>
               <a:ext uri="{FF2B5EF4-FFF2-40B4-BE49-F238E27FC236}">
-                <a16:creationId xmlns:a16="http://schemas.microsoft.com/office/drawing/2014/main" id="{E572566D-14F8-4C2C-AB25-ABBBCC26BBE9}"/>
+                <a16:creationId xmlns:a16="http://schemas.microsoft.com/office/drawing/2014/main" id="{D216CA37-4189-45C3-98C2-C669824A5978}"/>
               </a:ext>
             </a:extLst>
           </p:cNvPr>
@@ -8495,8 +8628,8 @@
         </p:nvSpPr>
         <p:spPr>
           <a:xfrm>
-            <a:off x="2581060" y="211780"/>
-            <a:ext cx="8911687" cy="833629"/>
+            <a:off x="2420647" y="160283"/>
+            <a:ext cx="8911687" cy="1280890"/>
           </a:xfrm>
         </p:spPr>
         <p:txBody>
@@ -8506,17 +8639,17 @@
             <a:pPr algn="ctr"/>
             <a:r>
               <a:rPr lang="en-IN" dirty="0"/>
-              <a:t>Ignore page</a:t>
+              <a:t>View page</a:t>
             </a:r>
           </a:p>
         </p:txBody>
       </p:sp>
       <p:pic>
         <p:nvPicPr>
-          <p:cNvPr id="6" name="Content Placeholder 5">
+          <p:cNvPr id="7" name="Content Placeholder 6">
             <a:extLst>
               <a:ext uri="{FF2B5EF4-FFF2-40B4-BE49-F238E27FC236}">
-                <a16:creationId xmlns:a16="http://schemas.microsoft.com/office/drawing/2014/main" id="{B6516B19-4CDC-4B60-9C72-DCC3E5949FFA}"/>
+                <a16:creationId xmlns:a16="http://schemas.microsoft.com/office/drawing/2014/main" id="{2F9DDE00-4E09-4D18-AF2B-6B54CB581B0C}"/>
               </a:ext>
             </a:extLst>
           </p:cNvPr>
@@ -8535,17 +8668,17 @@
         </p:blipFill>
         <p:spPr>
           <a:xfrm>
-            <a:off x="3108960" y="2377440"/>
-            <a:ext cx="7835705" cy="3914237"/>
+            <a:off x="2420646" y="2027583"/>
+            <a:ext cx="8247353" cy="4267200"/>
           </a:xfrm>
         </p:spPr>
       </p:pic>
       <p:sp>
         <p:nvSpPr>
-          <p:cNvPr id="4" name="TextBox 3">
+          <p:cNvPr id="5" name="TextBox 4">
             <a:extLst>
               <a:ext uri="{FF2B5EF4-FFF2-40B4-BE49-F238E27FC236}">
-                <a16:creationId xmlns:a16="http://schemas.microsoft.com/office/drawing/2014/main" id="{070CE579-F2CF-471F-A852-F6E35F7B7D21}"/>
+                <a16:creationId xmlns:a16="http://schemas.microsoft.com/office/drawing/2014/main" id="{A13EE3D6-EFC6-4E58-B39C-81550F9B6DE3}"/>
               </a:ext>
             </a:extLst>
           </p:cNvPr>
@@ -8554,8 +8687,8 @@
         </p:nvSpPr>
         <p:spPr>
           <a:xfrm>
-            <a:off x="2107094" y="1456252"/>
-            <a:ext cx="9859617" cy="646331"/>
+            <a:off x="2420646" y="979508"/>
+            <a:ext cx="9083965" cy="923330"/>
           </a:xfrm>
           <a:prstGeom prst="rect">
             <a:avLst/>
@@ -8570,7 +8703,7 @@
           <a:p>
             <a:r>
               <a:rPr lang="en-IN" dirty="0"/>
-              <a:t>If the admin feels that the details submitted by the applicant are not legit , the form can be ignored by clicking the “Ignored” link , the form will be removed from the list.</a:t>
+              <a:t>This page contains all the details of the applicant whose application is received  and is further processed if the application is accepted by clicking “Process” else rejected  clicking “Ignore”</a:t>
             </a:r>
           </a:p>
         </p:txBody>
@@ -8578,7 +8711,7 @@
     </p:spTree>
     <p:extLst>
       <p:ext uri="{BB962C8B-B14F-4D97-AF65-F5344CB8AC3E}">
-        <p14:creationId xmlns:p14="http://schemas.microsoft.com/office/powerpoint/2010/main" val="3133491593"/>
+        <p14:creationId xmlns:p14="http://schemas.microsoft.com/office/powerpoint/2010/main" val="2542522546"/>
       </p:ext>
     </p:extLst>
   </p:cSld>
@@ -8607,10 +8740,10 @@
       </p:grpSpPr>
       <p:sp>
         <p:nvSpPr>
-          <p:cNvPr id="4" name="Title 3">
+          <p:cNvPr id="2" name="Title 1">
             <a:extLst>
               <a:ext uri="{FF2B5EF4-FFF2-40B4-BE49-F238E27FC236}">
-                <a16:creationId xmlns:a16="http://schemas.microsoft.com/office/drawing/2014/main" id="{852D69EE-9EC7-4808-8901-C00BE3787BFE}"/>
+                <a16:creationId xmlns:a16="http://schemas.microsoft.com/office/drawing/2014/main" id="{C58EB0AD-3F7A-404C-9242-0372331297E8}"/>
               </a:ext>
             </a:extLst>
           </p:cNvPr>
@@ -8618,13 +8751,13 @@
             <a:spLocks noGrp="1"/>
           </p:cNvSpPr>
           <p:nvPr>
-            <p:ph type="ctrTitle"/>
+            <p:ph type="title"/>
           </p:nvPr>
         </p:nvSpPr>
         <p:spPr>
           <a:xfrm>
-            <a:off x="2430187" y="1282148"/>
-            <a:ext cx="8915399" cy="2262781"/>
+            <a:off x="2589212" y="226544"/>
+            <a:ext cx="8911687" cy="1280890"/>
           </a:xfrm>
         </p:spPr>
         <p:txBody>
@@ -8634,76 +8767,79 @@
             <a:pPr algn="ctr"/>
             <a:r>
               <a:rPr lang="en-IN" dirty="0"/>
-              <a:t>Thank you</a:t>
-            </a:r>
-          </a:p>
-        </p:txBody>
-      </p:sp>
-      <p:sp>
-        <p:nvSpPr>
-          <p:cNvPr id="5" name="Subtitle 4">
+              <a:t>Certificate</a:t>
+            </a:r>
+          </a:p>
+        </p:txBody>
+      </p:sp>
+      <p:pic>
+        <p:nvPicPr>
+          <p:cNvPr id="6" name="Content Placeholder 5">
             <a:extLst>
               <a:ext uri="{FF2B5EF4-FFF2-40B4-BE49-F238E27FC236}">
-                <a16:creationId xmlns:a16="http://schemas.microsoft.com/office/drawing/2014/main" id="{36021D7B-ABDB-4E0D-AAED-80FBB6A1B591}"/>
+                <a16:creationId xmlns:a16="http://schemas.microsoft.com/office/drawing/2014/main" id="{12DE8E76-CA9D-4CB6-87DA-5EC76D803CD5}"/>
               </a:ext>
             </a:extLst>
           </p:cNvPr>
-          <p:cNvSpPr>
-            <a:spLocks noGrp="1"/>
-          </p:cNvSpPr>
-          <p:nvPr>
-            <p:ph type="subTitle" idx="1"/>
-          </p:nvPr>
-        </p:nvSpPr>
+          <p:cNvPicPr>
+            <a:picLocks noGrp="1" noChangeAspect="1"/>
+          </p:cNvPicPr>
+          <p:nvPr>
+            <p:ph idx="1"/>
+          </p:nvPr>
+        </p:nvPicPr>
+        <p:blipFill>
+          <a:blip r:embed="rId2"/>
+          <a:stretch>
+            <a:fillRect/>
+          </a:stretch>
+        </p:blipFill>
         <p:spPr>
           <a:xfrm>
-            <a:off x="8570794" y="4626590"/>
-            <a:ext cx="3621206" cy="2019869"/>
-          </a:xfrm>
-        </p:spPr>
-        <p:txBody>
-          <a:bodyPr/>
+            <a:off x="3253149" y="2194560"/>
+            <a:ext cx="7564906" cy="3886102"/>
+          </a:xfrm>
+        </p:spPr>
+      </p:pic>
+      <p:sp>
+        <p:nvSpPr>
+          <p:cNvPr id="4" name="TextBox 3">
+            <a:extLst>
+              <a:ext uri="{FF2B5EF4-FFF2-40B4-BE49-F238E27FC236}">
+                <a16:creationId xmlns:a16="http://schemas.microsoft.com/office/drawing/2014/main" id="{783EDCA3-D8DA-4AD7-AF84-62E1CE362C4A}"/>
+              </a:ext>
+            </a:extLst>
+          </p:cNvPr>
+          <p:cNvSpPr txBox="1"/>
+          <p:nvPr/>
+        </p:nvSpPr>
+        <p:spPr>
+          <a:xfrm>
+            <a:off x="2014330" y="1139687"/>
+            <a:ext cx="9965635" cy="646331"/>
+          </a:xfrm>
+          <a:prstGeom prst="rect">
+            <a:avLst/>
+          </a:prstGeom>
+          <a:noFill/>
+        </p:spPr>
+        <p:txBody>
+          <a:bodyPr wrap="square" rtlCol="0">
+            <a:spAutoFit/>
+          </a:bodyPr>
           <a:lstStyle/>
           <a:p>
             <a:r>
               <a:rPr lang="en-IN" dirty="0"/>
-              <a:t>Software developed by</a:t>
-            </a:r>
-          </a:p>
-          <a:p>
-            <a:r>
-              <a:rPr lang="en-IN" dirty="0"/>
-              <a:t>Sanath R Bharadwaj</a:t>
-            </a:r>
-          </a:p>
-          <a:p>
-            <a:r>
-              <a:rPr lang="en-IN"/>
-              <a:t>Akshatha Sudarshan</a:t>
-            </a:r>
-            <a:endParaRPr lang="en-IN" dirty="0"/>
-          </a:p>
-          <a:p>
-            <a:r>
-              <a:rPr lang="en-IN" dirty="0"/>
-              <a:t>Anirudh Iyengar</a:t>
-            </a:r>
-          </a:p>
-          <a:p>
-            <a:r>
-              <a:rPr lang="en-IN" dirty="0"/>
-              <a:t>Vijeth Kashyap</a:t>
-            </a:r>
-          </a:p>
-          <a:p>
-            <a:endParaRPr lang="en-IN" dirty="0"/>
+              <a:t>After processing the details of the applicant, the requested certificate is issued which can be printed by the applicant.</a:t>
+            </a:r>
           </a:p>
         </p:txBody>
       </p:sp>
     </p:spTree>
     <p:extLst>
       <p:ext uri="{BB962C8B-B14F-4D97-AF65-F5344CB8AC3E}">
-        <p14:creationId xmlns:p14="http://schemas.microsoft.com/office/powerpoint/2010/main" val="767716249"/>
+        <p14:creationId xmlns:p14="http://schemas.microsoft.com/office/powerpoint/2010/main" val="362003737"/>
       </p:ext>
     </p:extLst>
   </p:cSld>
